--- a/apresentacoes/Aula5/Etapa1.pptx
+++ b/apresentacoes/Aula5/Etapa1.pptx
@@ -6,7 +6,7 @@
     <p:sldMasterId id="2147483655" r:id="rId2"/>
   </p:sldMasterIdLst>
   <p:notesMasterIdLst>
-    <p:notesMasterId r:id="rId11"/>
+    <p:notesMasterId r:id="rId12"/>
   </p:notesMasterIdLst>
   <p:sldIdLst>
     <p:sldId id="258" r:id="rId3"/>
@@ -15,32 +15,33 @@
     <p:sldId id="283" r:id="rId6"/>
     <p:sldId id="278" r:id="rId7"/>
     <p:sldId id="284" r:id="rId8"/>
-    <p:sldId id="262" r:id="rId9"/>
-    <p:sldId id="276" r:id="rId10"/>
+    <p:sldId id="285" r:id="rId9"/>
+    <p:sldId id="286" r:id="rId10"/>
+    <p:sldId id="262" r:id="rId11"/>
   </p:sldIdLst>
   <p:sldSz cx="9144000" cy="5143500" type="screen16x9"/>
   <p:notesSz cx="6858000" cy="9144000"/>
   <p:embeddedFontLst>
     <p:embeddedFont>
       <p:font typeface="Calibri" panose="020F0502020204030204" pitchFamily="34" charset="0"/>
-      <p:regular r:id="rId12"/>
-      <p:bold r:id="rId13"/>
-      <p:italic r:id="rId14"/>
-      <p:boldItalic r:id="rId15"/>
+      <p:regular r:id="rId13"/>
+      <p:bold r:id="rId14"/>
+      <p:italic r:id="rId15"/>
+      <p:boldItalic r:id="rId16"/>
     </p:embeddedFont>
     <p:embeddedFont>
       <p:font typeface="Century Gothic" panose="020B0502020202020204" pitchFamily="34" charset="0"/>
-      <p:regular r:id="rId16"/>
-      <p:bold r:id="rId17"/>
-      <p:italic r:id="rId18"/>
-      <p:boldItalic r:id="rId19"/>
+      <p:regular r:id="rId17"/>
+      <p:bold r:id="rId18"/>
+      <p:italic r:id="rId19"/>
+      <p:boldItalic r:id="rId20"/>
     </p:embeddedFont>
     <p:embeddedFont>
       <p:font typeface="Proxima Nova" panose="020B0604020202020204" charset="0"/>
-      <p:regular r:id="rId20"/>
-      <p:bold r:id="rId21"/>
-      <p:italic r:id="rId22"/>
-      <p:boldItalic r:id="rId23"/>
+      <p:regular r:id="rId21"/>
+      <p:bold r:id="rId22"/>
+      <p:italic r:id="rId23"/>
+      <p:boldItalic r:id="rId24"/>
     </p:embeddedFont>
   </p:embeddedFontLst>
   <p:defaultTextStyle>
@@ -288,7 +289,7 @@
       </p15:sldGuideLst>
     </p:ext>
     <p:ext uri="http://customooxmlschemas.google.com/">
-      <go:slidesCustomData xmlns="" xmlns:mc="http://schemas.openxmlformats.org/markup-compatibility/2006" xmlns:mv="urn:schemas-microsoft-com:mac:vml" xmlns:c="http://schemas.openxmlformats.org/drawingml/2006/chart" xmlns:dgm="http://schemas.openxmlformats.org/drawingml/2006/diagram" xmlns:o="urn:schemas-microsoft-com:office:office" xmlns:v="urn:schemas-microsoft-com:vml" xmlns:pvml="urn:schemas-microsoft-com:office:powerpoint" xmlns:com="http://schemas.openxmlformats.org/drawingml/2006/compatibility" xmlns:p14="http://schemas.microsoft.com/office/powerpoint/2010/main" xmlns:p15="http://schemas.microsoft.com/office/powerpoint/2012/main" xmlns:ahyp="http://schemas.microsoft.com/office/drawing/2018/hyperlinkcolor" xmlns:go="http://customooxmlschemas.google.com/" r:id="rId34" roundtripDataSignature="AMtx7mij1fsZUe5V3lBG5qQcqOvrI5UhJw=="/>
+      <go:slidesCustomData xmlns:go="http://customooxmlschemas.google.com/" xmlns:ahyp="http://schemas.microsoft.com/office/drawing/2018/hyperlinkcolor" xmlns:p15="http://schemas.microsoft.com/office/powerpoint/2012/main" xmlns:p14="http://schemas.microsoft.com/office/powerpoint/2010/main" xmlns:com="http://schemas.openxmlformats.org/drawingml/2006/compatibility" xmlns:pvml="urn:schemas-microsoft-com:office:powerpoint" xmlns:v="urn:schemas-microsoft-com:vml" xmlns:o="urn:schemas-microsoft-com:office:office" xmlns:dgm="http://schemas.openxmlformats.org/drawingml/2006/diagram" xmlns:c="http://schemas.openxmlformats.org/drawingml/2006/chart" xmlns:mv="urn:schemas-microsoft-com:mac:vml" xmlns:mc="http://schemas.openxmlformats.org/markup-compatibility/2006" xmlns="" r:id="rId34" roundtripDataSignature="AMtx7mij1fsZUe5V3lBG5qQcqOvrI5UhJw=="/>
     </p:ext>
   </p:extLst>
 </p:presentation>
@@ -1654,7 +1655,7 @@
   <p:cSld>
     <p:spTree>
       <p:nvGrpSpPr>
-        <p:cNvPr id="1" name="Shape 161"/>
+        <p:cNvPr id="1" name="Shape 132"/>
         <p:cNvGrpSpPr/>
         <p:nvPr/>
       </p:nvGrpSpPr>
@@ -1668,7 +1669,7 @@
       </p:grpSpPr>
       <p:sp>
         <p:nvSpPr>
-          <p:cNvPr id="162" name="Google Shape;162;p14:notes"/>
+          <p:cNvPr id="133" name="Google Shape;133;p16:notes"/>
           <p:cNvSpPr>
             <a:spLocks noGrp="1" noRot="1" noChangeAspect="1"/>
           </p:cNvSpPr>
@@ -1719,7 +1720,7 @@
       </p:sp>
       <p:sp>
         <p:nvSpPr>
-          <p:cNvPr id="163" name="Google Shape;163;p14:notes"/>
+          <p:cNvPr id="134" name="Google Shape;134;p16:notes"/>
           <p:cNvSpPr txBox="1">
             <a:spLocks noGrp="1"/>
           </p:cNvSpPr>
@@ -1763,15 +1764,16 @@
               <a:buFont typeface="Arial"/>
               <a:buNone/>
             </a:pPr>
-            <a:r>
-              <a:rPr lang="en-US"/>
-              <a:t>como criar o seu programa de uma forma mental, utilizando o computador mais potente do mundo, o nosso cerebro. se vc ainda não sabe programar, vai criar o seu primeiro programa hoje, mesmo sem saber sequer uma linha de codigo. e mesmo que vc já saiba programar, vc vai conseguir fazer um reforço na sua logica. sabe quando acontece aqueles errinhos e vc fica engasgado em algum ponto? essa aula vai ser muito importante pra vc tbm</a:t>
-            </a:r>
             <a:endParaRPr/>
           </a:p>
         </p:txBody>
       </p:sp>
     </p:spTree>
+    <p:extLst>
+      <p:ext uri="{BB962C8B-B14F-4D97-AF65-F5344CB8AC3E}">
+        <p14:creationId xmlns:p14="http://schemas.microsoft.com/office/powerpoint/2010/main" val="1672976751"/>
+      </p:ext>
+    </p:extLst>
   </p:cSld>
   <p:clrMapOvr>
     <a:masterClrMapping/>
@@ -1900,9 +1902,139 @@
     </p:spTree>
     <p:extLst>
       <p:ext uri="{BB962C8B-B14F-4D97-AF65-F5344CB8AC3E}">
-        <p14:creationId xmlns:p14="http://schemas.microsoft.com/office/powerpoint/2010/main" val="159474884"/>
+        <p14:creationId xmlns:p14="http://schemas.microsoft.com/office/powerpoint/2010/main" val="3269519542"/>
       </p:ext>
     </p:extLst>
+  </p:cSld>
+  <p:clrMapOvr>
+    <a:masterClrMapping/>
+  </p:clrMapOvr>
+</p:notes>
+</file>
+
+<file path=ppt/notesSlides/notesSlide9.xml><?xml version="1.0" encoding="utf-8"?>
+<p:notes xmlns:a="http://schemas.openxmlformats.org/drawingml/2006/main" xmlns:r="http://schemas.openxmlformats.org/officeDocument/2006/relationships" xmlns:p="http://schemas.openxmlformats.org/presentationml/2006/main" showMasterSp="0" showMasterPhAnim="0">
+  <p:cSld>
+    <p:spTree>
+      <p:nvGrpSpPr>
+        <p:cNvPr id="1" name="Shape 161"/>
+        <p:cNvGrpSpPr/>
+        <p:nvPr/>
+      </p:nvGrpSpPr>
+      <p:grpSpPr>
+        <a:xfrm>
+          <a:off x="0" y="0"/>
+          <a:ext cx="0" cy="0"/>
+          <a:chOff x="0" y="0"/>
+          <a:chExt cx="0" cy="0"/>
+        </a:xfrm>
+      </p:grpSpPr>
+      <p:sp>
+        <p:nvSpPr>
+          <p:cNvPr id="162" name="Google Shape;162;p14:notes"/>
+          <p:cNvSpPr>
+            <a:spLocks noGrp="1" noRot="1" noChangeAspect="1"/>
+          </p:cNvSpPr>
+          <p:nvPr>
+            <p:ph type="sldImg" idx="2"/>
+          </p:nvPr>
+        </p:nvSpPr>
+        <p:spPr>
+          <a:xfrm>
+            <a:off x="381000" y="685800"/>
+            <a:ext cx="6096000" cy="3429000"/>
+          </a:xfrm>
+          <a:custGeom>
+            <a:avLst/>
+            <a:gdLst/>
+            <a:ahLst/>
+            <a:cxnLst/>
+            <a:rect l="l" t="t" r="r" b="b"/>
+            <a:pathLst>
+              <a:path w="120000" h="120000" extrusionOk="0">
+                <a:moveTo>
+                  <a:pt x="0" y="0"/>
+                </a:moveTo>
+                <a:lnTo>
+                  <a:pt x="120000" y="0"/>
+                </a:lnTo>
+                <a:lnTo>
+                  <a:pt x="120000" y="120000"/>
+                </a:lnTo>
+                <a:lnTo>
+                  <a:pt x="0" y="120000"/>
+                </a:lnTo>
+                <a:close/>
+              </a:path>
+            </a:pathLst>
+          </a:custGeom>
+          <a:noFill/>
+          <a:ln w="9525" cap="flat" cmpd="sng">
+            <a:solidFill>
+              <a:srgbClr val="000000"/>
+            </a:solidFill>
+            <a:prstDash val="solid"/>
+            <a:round/>
+            <a:headEnd type="none" w="sm" len="sm"/>
+            <a:tailEnd type="none" w="sm" len="sm"/>
+          </a:ln>
+        </p:spPr>
+      </p:sp>
+      <p:sp>
+        <p:nvSpPr>
+          <p:cNvPr id="163" name="Google Shape;163;p14:notes"/>
+          <p:cNvSpPr txBox="1">
+            <a:spLocks noGrp="1"/>
+          </p:cNvSpPr>
+          <p:nvPr>
+            <p:ph type="body" idx="1"/>
+          </p:nvPr>
+        </p:nvSpPr>
+        <p:spPr>
+          <a:xfrm>
+            <a:off x="685800" y="4343400"/>
+            <a:ext cx="5486400" cy="4114800"/>
+          </a:xfrm>
+          <a:prstGeom prst="rect">
+            <a:avLst/>
+          </a:prstGeom>
+          <a:noFill/>
+          <a:ln>
+            <a:noFill/>
+          </a:ln>
+        </p:spPr>
+        <p:txBody>
+          <a:bodyPr spcFirstLastPara="1" wrap="square" lIns="91425" tIns="91425" rIns="91425" bIns="91425" anchor="t" anchorCtr="0">
+            <a:noAutofit/>
+          </a:bodyPr>
+          <a:lstStyle/>
+          <a:p>
+            <a:pPr marL="0" lvl="0" indent="0" algn="l" rtl="0">
+              <a:lnSpc>
+                <a:spcPct val="100000"/>
+              </a:lnSpc>
+              <a:spcBef>
+                <a:spcPts val="0"/>
+              </a:spcBef>
+              <a:spcAft>
+                <a:spcPts val="0"/>
+              </a:spcAft>
+              <a:buClr>
+                <a:schemeClr val="dk1"/>
+              </a:buClr>
+              <a:buSzPts val="1100"/>
+              <a:buFont typeface="Arial"/>
+              <a:buNone/>
+            </a:pPr>
+            <a:r>
+              <a:rPr lang="en-US"/>
+              <a:t>como criar o seu programa de uma forma mental, utilizando o computador mais potente do mundo, o nosso cerebro. se vc ainda não sabe programar, vai criar o seu primeiro programa hoje, mesmo sem saber sequer uma linha de codigo. e mesmo que vc já saiba programar, vc vai conseguir fazer um reforço na sua logica. sabe quando acontece aqueles errinhos e vc fica engasgado em algum ponto? essa aula vai ser muito importante pra vc tbm</a:t>
+            </a:r>
+            <a:endParaRPr/>
+          </a:p>
+        </p:txBody>
+      </p:sp>
+    </p:spTree>
   </p:cSld>
   <p:clrMapOvr>
     <a:masterClrMapping/>
@@ -21444,7 +21576,7 @@
         <p:fade/>
       </p:transition>
     </mc:Choice>
-    <mc:Fallback xmlns:ahyp="http://schemas.microsoft.com/office/drawing/2018/hyperlinkcolor" xmlns:p15="http://schemas.microsoft.com/office/powerpoint/2012/main" xmlns:com="http://schemas.openxmlformats.org/drawingml/2006/compatibility" xmlns:pvml="urn:schemas-microsoft-com:office:powerpoint" xmlns:v="urn:schemas-microsoft-com:vml" xmlns:o="urn:schemas-microsoft-com:office:office" xmlns:dgm="http://schemas.openxmlformats.org/drawingml/2006/diagram" xmlns:c="http://schemas.openxmlformats.org/drawingml/2006/chart" xmlns:mv="urn:schemas-microsoft-com:mac:vml" xmlns="">
+    <mc:Fallback xmlns="" xmlns:mv="urn:schemas-microsoft-com:mac:vml" xmlns:c="http://schemas.openxmlformats.org/drawingml/2006/chart" xmlns:dgm="http://schemas.openxmlformats.org/drawingml/2006/diagram" xmlns:o="urn:schemas-microsoft-com:office:office" xmlns:v="urn:schemas-microsoft-com:vml" xmlns:pvml="urn:schemas-microsoft-com:office:powerpoint" xmlns:com="http://schemas.openxmlformats.org/drawingml/2006/compatibility" xmlns:p15="http://schemas.microsoft.com/office/powerpoint/2012/main" xmlns:ahyp="http://schemas.microsoft.com/office/drawing/2018/hyperlinkcolor">
       <p:transition spd="slow">
         <p:fade/>
       </p:transition>
@@ -22024,7 +22156,7 @@
         <p:fade/>
       </p:transition>
     </mc:Choice>
-    <mc:Fallback xmlns="" xmlns:mv="urn:schemas-microsoft-com:mac:vml" xmlns:c="http://schemas.openxmlformats.org/drawingml/2006/chart" xmlns:dgm="http://schemas.openxmlformats.org/drawingml/2006/diagram" xmlns:o="urn:schemas-microsoft-com:office:office" xmlns:v="urn:schemas-microsoft-com:vml" xmlns:pvml="urn:schemas-microsoft-com:office:powerpoint" xmlns:com="http://schemas.openxmlformats.org/drawingml/2006/compatibility" xmlns:p15="http://schemas.microsoft.com/office/powerpoint/2012/main" xmlns:ahyp="http://schemas.microsoft.com/office/drawing/2018/hyperlinkcolor">
+    <mc:Fallback xmlns:ahyp="http://schemas.microsoft.com/office/drawing/2018/hyperlinkcolor" xmlns:p15="http://schemas.microsoft.com/office/powerpoint/2012/main" xmlns:com="http://schemas.openxmlformats.org/drawingml/2006/compatibility" xmlns:pvml="urn:schemas-microsoft-com:office:powerpoint" xmlns:v="urn:schemas-microsoft-com:vml" xmlns:o="urn:schemas-microsoft-com:office:office" xmlns:dgm="http://schemas.openxmlformats.org/drawingml/2006/diagram" xmlns:c="http://schemas.openxmlformats.org/drawingml/2006/chart" xmlns:mv="urn:schemas-microsoft-com:mac:vml" xmlns="">
       <p:transition spd="slow">
         <p:fade/>
       </p:transition>
@@ -24549,7 +24681,27 @@
                 <a:latin typeface="Calibri" panose="020F0502020204030204" pitchFamily="34" charset="0"/>
                 <a:cs typeface="Calibri" panose="020F0502020204030204" pitchFamily="34" charset="0"/>
               </a:rPr>
-              <a:t>(no);                 .remove(index);      .</a:t>
+              <a:t>(</a:t>
+            </a:r>
+            <a:r>
+              <a:rPr lang="pt-BR" sz="2400" b="1" dirty="0" err="1">
+                <a:solidFill>
+                  <a:srgbClr val="2C5972"/>
+                </a:solidFill>
+                <a:latin typeface="Calibri" panose="020F0502020204030204" pitchFamily="34" charset="0"/>
+                <a:cs typeface="Calibri" panose="020F0502020204030204" pitchFamily="34" charset="0"/>
+              </a:rPr>
+              <a:t>el</a:t>
+            </a:r>
+            <a:r>
+              <a:rPr lang="pt-BR" sz="2400" b="1" dirty="0">
+                <a:solidFill>
+                  <a:srgbClr val="2C5972"/>
+                </a:solidFill>
+                <a:latin typeface="Calibri" panose="020F0502020204030204" pitchFamily="34" charset="0"/>
+                <a:cs typeface="Calibri" panose="020F0502020204030204" pitchFamily="34" charset="0"/>
+              </a:rPr>
+              <a:t>);                 .remove(index);      .</a:t>
             </a:r>
             <a:r>
               <a:rPr lang="pt-BR" sz="2400" b="1" dirty="0" err="1">
@@ -24601,7 +24753,7 @@
                 <a:latin typeface="Calibri" panose="020F0502020204030204" pitchFamily="34" charset="0"/>
                 <a:cs typeface="Calibri" panose="020F0502020204030204" pitchFamily="34" charset="0"/>
               </a:rPr>
-              <a:t>(index, no);    .</a:t>
+              <a:t>(index, </a:t>
             </a:r>
             <a:r>
               <a:rPr lang="pt-BR" sz="2400" b="1" dirty="0" err="1">
@@ -24611,7 +24763,7 @@
                 <a:latin typeface="Calibri" panose="020F0502020204030204" pitchFamily="34" charset="0"/>
                 <a:cs typeface="Calibri" panose="020F0502020204030204" pitchFamily="34" charset="0"/>
               </a:rPr>
-              <a:t>isEmpty</a:t>
+              <a:t>el</a:t>
             </a:r>
             <a:r>
               <a:rPr lang="pt-BR" sz="2400" b="1" dirty="0">
@@ -24621,7 +24773,7 @@
                 <a:latin typeface="Calibri" panose="020F0502020204030204" pitchFamily="34" charset="0"/>
                 <a:cs typeface="Calibri" panose="020F0502020204030204" pitchFamily="34" charset="0"/>
               </a:rPr>
-              <a:t>();</a:t>
+              <a:t>); </a:t>
             </a:r>
           </a:p>
         </p:txBody>
@@ -25380,6 +25532,467 @@
   <p:cSld>
     <p:spTree>
       <p:nvGrpSpPr>
+        <p:cNvPr id="1" name="Shape 135"/>
+        <p:cNvGrpSpPr/>
+        <p:nvPr/>
+      </p:nvGrpSpPr>
+      <p:grpSpPr>
+        <a:xfrm>
+          <a:off x="0" y="0"/>
+          <a:ext cx="0" cy="0"/>
+          <a:chOff x="0" y="0"/>
+          <a:chExt cx="0" cy="0"/>
+        </a:xfrm>
+      </p:grpSpPr>
+      <p:sp>
+        <p:nvSpPr>
+          <p:cNvPr id="136" name="Google Shape;136;p16"/>
+          <p:cNvSpPr txBox="1">
+            <a:spLocks noGrp="1"/>
+          </p:cNvSpPr>
+          <p:nvPr>
+            <p:ph type="subTitle" idx="1"/>
+          </p:nvPr>
+        </p:nvSpPr>
+        <p:spPr>
+          <a:xfrm>
+            <a:off x="1396781" y="226774"/>
+            <a:ext cx="6924596" cy="607591"/>
+          </a:xfrm>
+          <a:prstGeom prst="rect">
+            <a:avLst/>
+          </a:prstGeom>
+          <a:noFill/>
+          <a:ln>
+            <a:noFill/>
+          </a:ln>
+        </p:spPr>
+        <p:txBody>
+          <a:bodyPr spcFirstLastPara="1" wrap="square" lIns="91425" tIns="91425" rIns="91425" bIns="91425" anchor="ctr" anchorCtr="0">
+            <a:noAutofit/>
+          </a:bodyPr>
+          <a:lstStyle/>
+          <a:p>
+            <a:pPr marL="0" lvl="0" indent="0" algn="ctr" rtl="0">
+              <a:lnSpc>
+                <a:spcPct val="100000"/>
+              </a:lnSpc>
+              <a:spcBef>
+                <a:spcPts val="0"/>
+              </a:spcBef>
+              <a:spcAft>
+                <a:spcPts val="0"/>
+              </a:spcAft>
+              <a:buClr>
+                <a:schemeClr val="dk1"/>
+              </a:buClr>
+              <a:buSzPts val="1100"/>
+              <a:buFont typeface="Arial"/>
+              <a:buNone/>
+            </a:pPr>
+            <a:r>
+              <a:rPr lang="pt-BR" sz="4000" b="1" dirty="0">
+                <a:solidFill>
+                  <a:srgbClr val="073763"/>
+                </a:solidFill>
+                <a:latin typeface="Century Gothic"/>
+                <a:ea typeface="Century Gothic"/>
+                <a:cs typeface="Century Gothic"/>
+                <a:sym typeface="Century Gothic"/>
+              </a:rPr>
+              <a:t>Organização da Aula</a:t>
+            </a:r>
+          </a:p>
+        </p:txBody>
+      </p:sp>
+      <p:pic>
+        <p:nvPicPr>
+          <p:cNvPr id="137" name="Google Shape;137;p16"/>
+          <p:cNvPicPr preferRelativeResize="0"/>
+          <p:nvPr/>
+        </p:nvPicPr>
+        <p:blipFill rotWithShape="1">
+          <a:blip r:embed="rId3">
+            <a:alphaModFix/>
+          </a:blip>
+          <a:srcRect/>
+          <a:stretch/>
+        </p:blipFill>
+        <p:spPr>
+          <a:xfrm>
+            <a:off x="311700" y="243014"/>
+            <a:ext cx="1698849" cy="591351"/>
+          </a:xfrm>
+          <a:prstGeom prst="rect">
+            <a:avLst/>
+          </a:prstGeom>
+          <a:noFill/>
+          <a:ln>
+            <a:noFill/>
+          </a:ln>
+        </p:spPr>
+      </p:pic>
+      <p:sp>
+        <p:nvSpPr>
+          <p:cNvPr id="139" name="Google Shape;139;p16"/>
+          <p:cNvSpPr/>
+          <p:nvPr/>
+        </p:nvSpPr>
+        <p:spPr>
+          <a:xfrm>
+            <a:off x="0" y="5077717"/>
+            <a:ext cx="9144000" cy="57300"/>
+          </a:xfrm>
+          <a:prstGeom prst="rect">
+            <a:avLst/>
+          </a:prstGeom>
+          <a:solidFill>
+            <a:srgbClr val="F78321"/>
+          </a:solidFill>
+          <a:ln w="9525" cap="flat" cmpd="sng">
+            <a:solidFill>
+              <a:srgbClr val="F78321"/>
+            </a:solidFill>
+            <a:prstDash val="solid"/>
+            <a:round/>
+            <a:headEnd type="none" w="sm" len="sm"/>
+            <a:tailEnd type="none" w="sm" len="sm"/>
+          </a:ln>
+        </p:spPr>
+        <p:txBody>
+          <a:bodyPr spcFirstLastPara="1" wrap="square" lIns="91425" tIns="91425" rIns="91425" bIns="91425" anchor="ctr" anchorCtr="0">
+            <a:noAutofit/>
+          </a:bodyPr>
+          <a:lstStyle/>
+          <a:p>
+            <a:pPr marL="0" marR="0" lvl="0" indent="0" algn="l" rtl="0">
+              <a:lnSpc>
+                <a:spcPct val="100000"/>
+              </a:lnSpc>
+              <a:spcBef>
+                <a:spcPts val="0"/>
+              </a:spcBef>
+              <a:spcAft>
+                <a:spcPts val="0"/>
+              </a:spcAft>
+              <a:buClr>
+                <a:srgbClr val="000000"/>
+              </a:buClr>
+              <a:buSzPts val="1400"/>
+              <a:buFont typeface="Arial"/>
+              <a:buNone/>
+            </a:pPr>
+            <a:endParaRPr sz="1400" b="0" i="0" u="none" strike="noStrike" cap="none">
+              <a:solidFill>
+                <a:srgbClr val="000000"/>
+              </a:solidFill>
+              <a:latin typeface="Arial"/>
+              <a:ea typeface="Arial"/>
+              <a:cs typeface="Arial"/>
+              <a:sym typeface="Arial"/>
+            </a:endParaRPr>
+          </a:p>
+        </p:txBody>
+      </p:sp>
+      <p:pic>
+        <p:nvPicPr>
+          <p:cNvPr id="3" name="Imagem 2">
+            <a:extLst>
+              <a:ext uri="{FF2B5EF4-FFF2-40B4-BE49-F238E27FC236}">
+                <a16:creationId xmlns:a16="http://schemas.microsoft.com/office/drawing/2014/main" id="{FBE297CA-6E3A-4E92-B57E-61F34BCF4FE5}"/>
+              </a:ext>
+            </a:extLst>
+          </p:cNvPr>
+          <p:cNvPicPr>
+            <a:picLocks noChangeAspect="1"/>
+          </p:cNvPicPr>
+          <p:nvPr/>
+        </p:nvPicPr>
+        <p:blipFill>
+          <a:blip r:embed="rId4"/>
+          <a:stretch>
+            <a:fillRect/>
+          </a:stretch>
+        </p:blipFill>
+        <p:spPr>
+          <a:xfrm>
+            <a:off x="311700" y="1049294"/>
+            <a:ext cx="7505305" cy="3015658"/>
+          </a:xfrm>
+          <a:prstGeom prst="rect">
+            <a:avLst/>
+          </a:prstGeom>
+        </p:spPr>
+      </p:pic>
+    </p:spTree>
+    <p:extLst>
+      <p:ext uri="{BB962C8B-B14F-4D97-AF65-F5344CB8AC3E}">
+        <p14:creationId xmlns:p14="http://schemas.microsoft.com/office/powerpoint/2010/main" val="4148098424"/>
+      </p:ext>
+    </p:extLst>
+  </p:cSld>
+  <p:clrMapOvr>
+    <a:masterClrMapping/>
+  </p:clrMapOvr>
+  <mc:AlternateContent xmlns:mc="http://schemas.openxmlformats.org/markup-compatibility/2006" xmlns:p14="http://schemas.microsoft.com/office/powerpoint/2010/main">
+    <mc:Choice Requires="p14">
+      <p:transition spd="med" p14:dur="700">
+        <p:fade/>
+      </p:transition>
+    </mc:Choice>
+    <mc:Fallback xmlns="">
+      <p:transition spd="med">
+        <p:fade/>
+      </p:transition>
+    </mc:Fallback>
+  </mc:AlternateContent>
+</p:sld>
+</file>
+
+<file path=ppt/slides/slide8.xml><?xml version="1.0" encoding="utf-8"?>
+<p:sld xmlns:a="http://schemas.openxmlformats.org/drawingml/2006/main" xmlns:r="http://schemas.openxmlformats.org/officeDocument/2006/relationships" xmlns:p="http://schemas.openxmlformats.org/presentationml/2006/main">
+  <p:cSld>
+    <p:spTree>
+      <p:nvGrpSpPr>
+        <p:cNvPr id="1" name="Shape 135"/>
+        <p:cNvGrpSpPr/>
+        <p:nvPr/>
+      </p:nvGrpSpPr>
+      <p:grpSpPr>
+        <a:xfrm>
+          <a:off x="0" y="0"/>
+          <a:ext cx="0" cy="0"/>
+          <a:chOff x="0" y="0"/>
+          <a:chExt cx="0" cy="0"/>
+        </a:xfrm>
+      </p:grpSpPr>
+      <p:sp>
+        <p:nvSpPr>
+          <p:cNvPr id="136" name="Google Shape;136;p16"/>
+          <p:cNvSpPr txBox="1">
+            <a:spLocks noGrp="1"/>
+          </p:cNvSpPr>
+          <p:nvPr>
+            <p:ph type="subTitle" idx="1"/>
+          </p:nvPr>
+        </p:nvSpPr>
+        <p:spPr>
+          <a:xfrm>
+            <a:off x="1396781" y="226774"/>
+            <a:ext cx="6924596" cy="607591"/>
+          </a:xfrm>
+          <a:prstGeom prst="rect">
+            <a:avLst/>
+          </a:prstGeom>
+          <a:noFill/>
+          <a:ln>
+            <a:noFill/>
+          </a:ln>
+        </p:spPr>
+        <p:txBody>
+          <a:bodyPr spcFirstLastPara="1" wrap="square" lIns="91425" tIns="91425" rIns="91425" bIns="91425" anchor="ctr" anchorCtr="0">
+            <a:noAutofit/>
+          </a:bodyPr>
+          <a:lstStyle/>
+          <a:p>
+            <a:pPr marL="0" lvl="0" indent="0" algn="ctr" rtl="0">
+              <a:lnSpc>
+                <a:spcPct val="100000"/>
+              </a:lnSpc>
+              <a:spcBef>
+                <a:spcPts val="0"/>
+              </a:spcBef>
+              <a:spcAft>
+                <a:spcPts val="0"/>
+              </a:spcAft>
+              <a:buClr>
+                <a:schemeClr val="dk1"/>
+              </a:buClr>
+              <a:buSzPts val="1100"/>
+              <a:buFont typeface="Arial"/>
+              <a:buNone/>
+            </a:pPr>
+            <a:r>
+              <a:rPr lang="pt-BR" sz="4000" b="1" dirty="0">
+                <a:solidFill>
+                  <a:srgbClr val="073763"/>
+                </a:solidFill>
+                <a:latin typeface="Century Gothic"/>
+                <a:ea typeface="Century Gothic"/>
+                <a:cs typeface="Century Gothic"/>
+                <a:sym typeface="Century Gothic"/>
+              </a:rPr>
+              <a:t>O Algoritmo</a:t>
+            </a:r>
+          </a:p>
+        </p:txBody>
+      </p:sp>
+      <p:pic>
+        <p:nvPicPr>
+          <p:cNvPr id="137" name="Google Shape;137;p16"/>
+          <p:cNvPicPr preferRelativeResize="0"/>
+          <p:nvPr/>
+        </p:nvPicPr>
+        <p:blipFill rotWithShape="1">
+          <a:blip r:embed="rId3">
+            <a:alphaModFix/>
+          </a:blip>
+          <a:srcRect/>
+          <a:stretch/>
+        </p:blipFill>
+        <p:spPr>
+          <a:xfrm>
+            <a:off x="311700" y="243014"/>
+            <a:ext cx="1698849" cy="591351"/>
+          </a:xfrm>
+          <a:prstGeom prst="rect">
+            <a:avLst/>
+          </a:prstGeom>
+          <a:noFill/>
+          <a:ln>
+            <a:noFill/>
+          </a:ln>
+        </p:spPr>
+      </p:pic>
+      <p:sp>
+        <p:nvSpPr>
+          <p:cNvPr id="139" name="Google Shape;139;p16"/>
+          <p:cNvSpPr/>
+          <p:nvPr/>
+        </p:nvSpPr>
+        <p:spPr>
+          <a:xfrm>
+            <a:off x="0" y="5077717"/>
+            <a:ext cx="9144000" cy="57300"/>
+          </a:xfrm>
+          <a:prstGeom prst="rect">
+            <a:avLst/>
+          </a:prstGeom>
+          <a:solidFill>
+            <a:srgbClr val="F78321"/>
+          </a:solidFill>
+          <a:ln w="9525" cap="flat" cmpd="sng">
+            <a:solidFill>
+              <a:srgbClr val="F78321"/>
+            </a:solidFill>
+            <a:prstDash val="solid"/>
+            <a:round/>
+            <a:headEnd type="none" w="sm" len="sm"/>
+            <a:tailEnd type="none" w="sm" len="sm"/>
+          </a:ln>
+        </p:spPr>
+        <p:txBody>
+          <a:bodyPr spcFirstLastPara="1" wrap="square" lIns="91425" tIns="91425" rIns="91425" bIns="91425" anchor="ctr" anchorCtr="0">
+            <a:noAutofit/>
+          </a:bodyPr>
+          <a:lstStyle/>
+          <a:p>
+            <a:pPr marL="0" marR="0" lvl="0" indent="0" algn="l" rtl="0">
+              <a:lnSpc>
+                <a:spcPct val="100000"/>
+              </a:lnSpc>
+              <a:spcBef>
+                <a:spcPts val="0"/>
+              </a:spcBef>
+              <a:spcAft>
+                <a:spcPts val="0"/>
+              </a:spcAft>
+              <a:buClr>
+                <a:srgbClr val="000000"/>
+              </a:buClr>
+              <a:buSzPts val="1400"/>
+              <a:buFont typeface="Arial"/>
+              <a:buNone/>
+            </a:pPr>
+            <a:endParaRPr sz="1400" b="0" i="0" u="none" strike="noStrike" cap="none">
+              <a:solidFill>
+                <a:srgbClr val="000000"/>
+              </a:solidFill>
+              <a:latin typeface="Arial"/>
+              <a:ea typeface="Arial"/>
+              <a:cs typeface="Arial"/>
+              <a:sym typeface="Arial"/>
+            </a:endParaRPr>
+          </a:p>
+        </p:txBody>
+      </p:sp>
+      <p:pic>
+        <p:nvPicPr>
+          <p:cNvPr id="1026" name="Picture 2" descr="Lógica de Programação e Estruturas de Dados: Sandra Puga: 9788543019147:  Amazon.com: Books">
+            <a:extLst>
+              <a:ext uri="{FF2B5EF4-FFF2-40B4-BE49-F238E27FC236}">
+                <a16:creationId xmlns:a16="http://schemas.microsoft.com/office/drawing/2014/main" id="{75F3FD58-D3F3-4B83-BA95-025A154BBD22}"/>
+              </a:ext>
+            </a:extLst>
+          </p:cNvPr>
+          <p:cNvPicPr>
+            <a:picLocks noChangeAspect="1" noChangeArrowheads="1"/>
+          </p:cNvPicPr>
+          <p:nvPr/>
+        </p:nvPicPr>
+        <p:blipFill>
+          <a:blip r:embed="rId4">
+            <a:extLst>
+              <a:ext uri="{28A0092B-C50C-407E-A947-70E740481C1C}">
+                <a14:useLocalDpi xmlns:a14="http://schemas.microsoft.com/office/drawing/2010/main" val="0"/>
+              </a:ext>
+            </a:extLst>
+          </a:blip>
+          <a:srcRect/>
+          <a:stretch>
+            <a:fillRect/>
+          </a:stretch>
+        </p:blipFill>
+        <p:spPr bwMode="auto">
+          <a:xfrm>
+            <a:off x="311700" y="890551"/>
+            <a:ext cx="2832944" cy="4009935"/>
+          </a:xfrm>
+          <a:prstGeom prst="rect">
+            <a:avLst/>
+          </a:prstGeom>
+          <a:noFill/>
+          <a:extLst>
+            <a:ext uri="{909E8E84-426E-40DD-AFC4-6F175D3DCCD1}">
+              <a14:hiddenFill xmlns:a14="http://schemas.microsoft.com/office/drawing/2010/main">
+                <a:solidFill>
+                  <a:srgbClr val="FFFFFF"/>
+                </a:solidFill>
+              </a14:hiddenFill>
+            </a:ext>
+          </a:extLst>
+        </p:spPr>
+      </p:pic>
+    </p:spTree>
+    <p:extLst>
+      <p:ext uri="{BB962C8B-B14F-4D97-AF65-F5344CB8AC3E}">
+        <p14:creationId xmlns:p14="http://schemas.microsoft.com/office/powerpoint/2010/main" val="241439224"/>
+      </p:ext>
+    </p:extLst>
+  </p:cSld>
+  <p:clrMapOvr>
+    <a:masterClrMapping/>
+  </p:clrMapOvr>
+  <mc:AlternateContent xmlns:mc="http://schemas.openxmlformats.org/markup-compatibility/2006" xmlns:p14="http://schemas.microsoft.com/office/powerpoint/2010/main">
+    <mc:Choice Requires="p14">
+      <p:transition spd="med" p14:dur="700">
+        <p:fade/>
+      </p:transition>
+    </mc:Choice>
+    <mc:Fallback xmlns="">
+      <p:transition spd="med">
+        <p:fade/>
+      </p:transition>
+    </mc:Fallback>
+  </mc:AlternateContent>
+</p:sld>
+</file>
+
+<file path=ppt/slides/slide9.xml><?xml version="1.0" encoding="utf-8"?>
+<p:sld xmlns:a="http://schemas.openxmlformats.org/drawingml/2006/main" xmlns:r="http://schemas.openxmlformats.org/officeDocument/2006/relationships" xmlns:p="http://schemas.openxmlformats.org/presentationml/2006/main">
+  <p:cSld>
+    <p:spTree>
+      <p:nvGrpSpPr>
         <p:cNvPr id="1" name="Shape 164"/>
         <p:cNvGrpSpPr/>
         <p:nvPr/>
@@ -26228,7 +26841,7 @@
         <p:fade/>
       </p:transition>
     </mc:Choice>
-    <mc:Fallback xmlns="" xmlns:mv="urn:schemas-microsoft-com:mac:vml" xmlns:c="http://schemas.openxmlformats.org/drawingml/2006/chart" xmlns:dgm="http://schemas.openxmlformats.org/drawingml/2006/diagram" xmlns:o="urn:schemas-microsoft-com:office:office" xmlns:v="urn:schemas-microsoft-com:vml" xmlns:pvml="urn:schemas-microsoft-com:office:powerpoint" xmlns:com="http://schemas.openxmlformats.org/drawingml/2006/compatibility" xmlns:p15="http://schemas.microsoft.com/office/powerpoint/2012/main" xmlns:ahyp="http://schemas.microsoft.com/office/drawing/2018/hyperlinkcolor">
+    <mc:Fallback xmlns:ahyp="http://schemas.microsoft.com/office/drawing/2018/hyperlinkcolor" xmlns:p15="http://schemas.microsoft.com/office/powerpoint/2012/main" xmlns:com="http://schemas.openxmlformats.org/drawingml/2006/compatibility" xmlns:pvml="urn:schemas-microsoft-com:office:powerpoint" xmlns:v="urn:schemas-microsoft-com:vml" xmlns:o="urn:schemas-microsoft-com:office:office" xmlns:dgm="http://schemas.openxmlformats.org/drawingml/2006/diagram" xmlns:c="http://schemas.openxmlformats.org/drawingml/2006/chart" xmlns:mv="urn:schemas-microsoft-com:mac:vml" xmlns="">
       <p:transition spd="slow">
         <p:fade/>
       </p:transition>
@@ -26313,286 +26926,6 @@
       </p:par>
     </p:tnLst>
   </p:timing>
-</p:sld>
-</file>
-
-<file path=ppt/slides/slide8.xml><?xml version="1.0" encoding="utf-8"?>
-<p:sld xmlns:a="http://schemas.openxmlformats.org/drawingml/2006/main" xmlns:r="http://schemas.openxmlformats.org/officeDocument/2006/relationships" xmlns:p="http://schemas.openxmlformats.org/presentationml/2006/main">
-  <p:cSld>
-    <p:spTree>
-      <p:nvGrpSpPr>
-        <p:cNvPr id="1" name="Shape 135"/>
-        <p:cNvGrpSpPr/>
-        <p:nvPr/>
-      </p:nvGrpSpPr>
-      <p:grpSpPr>
-        <a:xfrm>
-          <a:off x="0" y="0"/>
-          <a:ext cx="0" cy="0"/>
-          <a:chOff x="0" y="0"/>
-          <a:chExt cx="0" cy="0"/>
-        </a:xfrm>
-      </p:grpSpPr>
-      <p:sp>
-        <p:nvSpPr>
-          <p:cNvPr id="136" name="Google Shape;136;p16"/>
-          <p:cNvSpPr txBox="1">
-            <a:spLocks noGrp="1"/>
-          </p:cNvSpPr>
-          <p:nvPr>
-            <p:ph type="subTitle" idx="1"/>
-          </p:nvPr>
-        </p:nvSpPr>
-        <p:spPr>
-          <a:xfrm>
-            <a:off x="1643102" y="243014"/>
-            <a:ext cx="6924596" cy="591300"/>
-          </a:xfrm>
-          <a:prstGeom prst="rect">
-            <a:avLst/>
-          </a:prstGeom>
-          <a:noFill/>
-          <a:ln>
-            <a:noFill/>
-          </a:ln>
-        </p:spPr>
-        <p:txBody>
-          <a:bodyPr spcFirstLastPara="1" wrap="square" lIns="91425" tIns="91425" rIns="91425" bIns="91425" anchor="ctr" anchorCtr="0">
-            <a:noAutofit/>
-          </a:bodyPr>
-          <a:lstStyle/>
-          <a:p>
-            <a:pPr marL="0" lvl="0" indent="0" algn="ctr" rtl="0">
-              <a:lnSpc>
-                <a:spcPct val="100000"/>
-              </a:lnSpc>
-              <a:spcBef>
-                <a:spcPts val="0"/>
-              </a:spcBef>
-              <a:spcAft>
-                <a:spcPts val="0"/>
-              </a:spcAft>
-              <a:buClr>
-                <a:schemeClr val="dk1"/>
-              </a:buClr>
-              <a:buSzPts val="1100"/>
-              <a:buFont typeface="Arial"/>
-              <a:buNone/>
-            </a:pPr>
-            <a:r>
-              <a:rPr lang="pt-BR" sz="4000" b="1" dirty="0">
-                <a:solidFill>
-                  <a:srgbClr val="073763"/>
-                </a:solidFill>
-                <a:latin typeface="Century Gothic"/>
-                <a:ea typeface="Century Gothic"/>
-                <a:cs typeface="Century Gothic"/>
-                <a:sym typeface="Century Gothic"/>
-              </a:rPr>
-              <a:t>Vamos Implementar?</a:t>
-            </a:r>
-            <a:endParaRPr sz="4000" b="1" dirty="0">
-              <a:solidFill>
-                <a:srgbClr val="073763"/>
-              </a:solidFill>
-              <a:latin typeface="Century Gothic"/>
-              <a:ea typeface="Century Gothic"/>
-              <a:cs typeface="Century Gothic"/>
-              <a:sym typeface="Century Gothic"/>
-            </a:endParaRPr>
-          </a:p>
-        </p:txBody>
-      </p:sp>
-      <p:pic>
-        <p:nvPicPr>
-          <p:cNvPr id="137" name="Google Shape;137;p16"/>
-          <p:cNvPicPr preferRelativeResize="0"/>
-          <p:nvPr/>
-        </p:nvPicPr>
-        <p:blipFill rotWithShape="1">
-          <a:blip r:embed="rId3">
-            <a:alphaModFix/>
-          </a:blip>
-          <a:srcRect/>
-          <a:stretch/>
-        </p:blipFill>
-        <p:spPr>
-          <a:xfrm>
-            <a:off x="311700" y="243014"/>
-            <a:ext cx="1698849" cy="591351"/>
-          </a:xfrm>
-          <a:prstGeom prst="rect">
-            <a:avLst/>
-          </a:prstGeom>
-          <a:noFill/>
-          <a:ln>
-            <a:noFill/>
-          </a:ln>
-        </p:spPr>
-      </p:pic>
-      <p:sp>
-        <p:nvSpPr>
-          <p:cNvPr id="139" name="Google Shape;139;p16"/>
-          <p:cNvSpPr/>
-          <p:nvPr/>
-        </p:nvSpPr>
-        <p:spPr>
-          <a:xfrm>
-            <a:off x="0" y="5077717"/>
-            <a:ext cx="9144000" cy="57300"/>
-          </a:xfrm>
-          <a:prstGeom prst="rect">
-            <a:avLst/>
-          </a:prstGeom>
-          <a:solidFill>
-            <a:srgbClr val="F78321"/>
-          </a:solidFill>
-          <a:ln w="9525" cap="flat" cmpd="sng">
-            <a:solidFill>
-              <a:srgbClr val="F78321"/>
-            </a:solidFill>
-            <a:prstDash val="solid"/>
-            <a:round/>
-            <a:headEnd type="none" w="sm" len="sm"/>
-            <a:tailEnd type="none" w="sm" len="sm"/>
-          </a:ln>
-        </p:spPr>
-        <p:txBody>
-          <a:bodyPr spcFirstLastPara="1" wrap="square" lIns="91425" tIns="91425" rIns="91425" bIns="91425" anchor="ctr" anchorCtr="0">
-            <a:noAutofit/>
-          </a:bodyPr>
-          <a:lstStyle/>
-          <a:p>
-            <a:pPr marL="0" marR="0" lvl="0" indent="0" algn="l" rtl="0">
-              <a:lnSpc>
-                <a:spcPct val="100000"/>
-              </a:lnSpc>
-              <a:spcBef>
-                <a:spcPts val="0"/>
-              </a:spcBef>
-              <a:spcAft>
-                <a:spcPts val="0"/>
-              </a:spcAft>
-              <a:buClr>
-                <a:srgbClr val="000000"/>
-              </a:buClr>
-              <a:buSzPts val="1400"/>
-              <a:buFont typeface="Arial"/>
-              <a:buNone/>
-            </a:pPr>
-            <a:endParaRPr sz="1400" b="0" i="0" u="none" strike="noStrike" cap="none">
-              <a:solidFill>
-                <a:srgbClr val="000000"/>
-              </a:solidFill>
-              <a:latin typeface="Arial"/>
-              <a:ea typeface="Arial"/>
-              <a:cs typeface="Arial"/>
-              <a:sym typeface="Arial"/>
-            </a:endParaRPr>
-          </a:p>
-        </p:txBody>
-      </p:sp>
-      <p:pic>
-        <p:nvPicPr>
-          <p:cNvPr id="7" name="Imagem 6">
-            <a:extLst>
-              <a:ext uri="{FF2B5EF4-FFF2-40B4-BE49-F238E27FC236}">
-                <a16:creationId xmlns:a16="http://schemas.microsoft.com/office/drawing/2014/main" id="{88F62096-0BAB-4718-B201-9795C3D41980}"/>
-              </a:ext>
-            </a:extLst>
-          </p:cNvPr>
-          <p:cNvPicPr>
-            <a:picLocks noChangeAspect="1"/>
-          </p:cNvPicPr>
-          <p:nvPr/>
-        </p:nvPicPr>
-        <p:blipFill>
-          <a:blip r:embed="rId4"/>
-          <a:stretch>
-            <a:fillRect/>
-          </a:stretch>
-        </p:blipFill>
-        <p:spPr>
-          <a:xfrm>
-            <a:off x="2524125" y="850990"/>
-            <a:ext cx="4095750" cy="4095750"/>
-          </a:xfrm>
-          <a:prstGeom prst="rect">
-            <a:avLst/>
-          </a:prstGeom>
-        </p:spPr>
-      </p:pic>
-      <p:sp>
-        <p:nvSpPr>
-          <p:cNvPr id="13" name="CaixaDeTexto 12">
-            <a:extLst>
-              <a:ext uri="{FF2B5EF4-FFF2-40B4-BE49-F238E27FC236}">
-                <a16:creationId xmlns:a16="http://schemas.microsoft.com/office/drawing/2014/main" id="{2F99D019-8ADE-4540-921A-D228684B7C5F}"/>
-              </a:ext>
-            </a:extLst>
-          </p:cNvPr>
-          <p:cNvSpPr txBox="1"/>
-          <p:nvPr/>
-        </p:nvSpPr>
-        <p:spPr>
-          <a:xfrm>
-            <a:off x="4136225" y="4623487"/>
-            <a:ext cx="1121575" cy="276999"/>
-          </a:xfrm>
-          <a:prstGeom prst="rect">
-            <a:avLst/>
-          </a:prstGeom>
-          <a:noFill/>
-        </p:spPr>
-        <p:txBody>
-          <a:bodyPr wrap="square">
-            <a:spAutoFit/>
-          </a:bodyPr>
-          <a:lstStyle/>
-          <a:p>
-            <a:r>
-              <a:rPr lang="pt-BR" sz="1200" b="0" i="0" dirty="0">
-                <a:solidFill>
-                  <a:srgbClr val="002060"/>
-                </a:solidFill>
-                <a:effectLst/>
-                <a:latin typeface="Calibri" panose="020F0502020204030204" pitchFamily="34" charset="0"/>
-                <a:cs typeface="Calibri" panose="020F0502020204030204" pitchFamily="34" charset="0"/>
-              </a:rPr>
-              <a:t>Vecteezy.com</a:t>
-            </a:r>
-            <a:endParaRPr lang="pt-BR" sz="1200" dirty="0">
-              <a:solidFill>
-                <a:srgbClr val="002060"/>
-              </a:solidFill>
-              <a:latin typeface="Calibri" panose="020F0502020204030204" pitchFamily="34" charset="0"/>
-              <a:cs typeface="Calibri" panose="020F0502020204030204" pitchFamily="34" charset="0"/>
-            </a:endParaRPr>
-          </a:p>
-        </p:txBody>
-      </p:sp>
-    </p:spTree>
-    <p:extLst>
-      <p:ext uri="{BB962C8B-B14F-4D97-AF65-F5344CB8AC3E}">
-        <p14:creationId xmlns:p14="http://schemas.microsoft.com/office/powerpoint/2010/main" val="2778685637"/>
-      </p:ext>
-    </p:extLst>
-  </p:cSld>
-  <p:clrMapOvr>
-    <a:masterClrMapping/>
-  </p:clrMapOvr>
-  <mc:AlternateContent xmlns:mc="http://schemas.openxmlformats.org/markup-compatibility/2006" xmlns:p14="http://schemas.microsoft.com/office/powerpoint/2010/main">
-    <mc:Choice Requires="p14">
-      <p:transition spd="med" p14:dur="700">
-        <p:fade/>
-      </p:transition>
-    </mc:Choice>
-    <mc:Fallback xmlns="">
-      <p:transition spd="med">
-        <p:fade/>
-      </p:transition>
-    </mc:Fallback>
-  </mc:AlternateContent>
 </p:sld>
 </file>
 
